--- a/Vorlage.pptx
+++ b/Vorlage.pptx
@@ -104,6 +104,11 @@
       </a:defRPr>
     </a:lvl9pPr>
   </p:defaultTextStyle>
+  <p:extLst>
+    <p:ext uri="{EFAFB233-063F-42B5-8137-9DF3F51BA10A}">
+      <p15:sldGuideLst xmlns:p15="http://schemas.microsoft.com/office/powerpoint/2012/main"/>
+    </p:ext>
+  </p:extLst>
 </p:presentation>
 </file>
 
@@ -3335,8 +3340,8 @@
         </p:nvSpPr>
         <p:spPr>
           <a:xfrm>
-            <a:off x="524067" y="1556564"/>
-            <a:ext cx="858796" cy="278027"/>
+            <a:off x="899743" y="2478059"/>
+            <a:ext cx="994341" cy="307777"/>
           </a:xfrm>
           <a:prstGeom prst="rect">
             <a:avLst/>
@@ -3350,7 +3355,7 @@
           <a:lstStyle/>
           <a:p>
             <a:r>
-              <a:rPr lang="de-DE" sz="1200" dirty="0"/>
+              <a:rPr lang="de-DE" sz="1400" dirty="0"/>
               <a:t>Dämmung</a:t>
             </a:r>
           </a:p>
@@ -3378,8 +3383,8 @@
         </p:blipFill>
         <p:spPr>
           <a:xfrm>
-            <a:off x="624016" y="461121"/>
-            <a:ext cx="658898" cy="1095443"/>
+            <a:off x="976352" y="1195319"/>
+            <a:ext cx="762893" cy="1095443"/>
           </a:xfrm>
           <a:prstGeom prst="rect">
             <a:avLst/>
@@ -3400,8 +3405,8 @@
         </p:nvSpPr>
         <p:spPr>
           <a:xfrm>
-            <a:off x="3482698" y="3794685"/>
-            <a:ext cx="858796" cy="278027"/>
+            <a:off x="7804512" y="5945010"/>
+            <a:ext cx="994341" cy="307777"/>
           </a:xfrm>
           <a:prstGeom prst="rect">
             <a:avLst/>
@@ -3415,7 +3420,7 @@
           <a:lstStyle/>
           <a:p>
             <a:r>
-              <a:rPr lang="de-DE" sz="1200" dirty="0"/>
+              <a:rPr lang="de-DE" sz="1400" dirty="0"/>
               <a:t>Schraube</a:t>
             </a:r>
           </a:p>
@@ -3435,8 +3440,8 @@
         </p:nvSpPr>
         <p:spPr>
           <a:xfrm>
-            <a:off x="1872872" y="1556563"/>
-            <a:ext cx="858796" cy="278027"/>
+            <a:off x="2194783" y="2478058"/>
+            <a:ext cx="994341" cy="307777"/>
           </a:xfrm>
           <a:prstGeom prst="rect">
             <a:avLst/>
@@ -3450,7 +3455,7 @@
           <a:lstStyle/>
           <a:p>
             <a:r>
-              <a:rPr lang="de-DE" sz="1200" dirty="0"/>
+              <a:rPr lang="de-DE" sz="1400" dirty="0"/>
               <a:t>Kunststoff</a:t>
             </a:r>
           </a:p>
@@ -3470,8 +3475,8 @@
         </p:nvSpPr>
         <p:spPr>
           <a:xfrm>
-            <a:off x="4565691" y="1702786"/>
-            <a:ext cx="858796" cy="278027"/>
+            <a:off x="5002620" y="2475176"/>
+            <a:ext cx="994341" cy="307777"/>
           </a:xfrm>
           <a:prstGeom prst="rect">
             <a:avLst/>
@@ -3485,7 +3490,7 @@
           <a:lstStyle/>
           <a:p>
             <a:r>
-              <a:rPr lang="de-DE" sz="1200" dirty="0"/>
+              <a:rPr lang="de-DE" sz="1400" dirty="0"/>
               <a:t>Stahlblech</a:t>
             </a:r>
           </a:p>
@@ -3505,8 +3510,8 @@
         </p:nvSpPr>
         <p:spPr>
           <a:xfrm>
-            <a:off x="3137488" y="1645896"/>
-            <a:ext cx="858796" cy="278027"/>
+            <a:off x="3556405" y="2478058"/>
+            <a:ext cx="994341" cy="307777"/>
           </a:xfrm>
           <a:prstGeom prst="rect">
             <a:avLst/>
@@ -3520,7 +3525,7 @@
           <a:lstStyle/>
           <a:p>
             <a:r>
-              <a:rPr lang="de-DE" sz="1200" dirty="0"/>
+              <a:rPr lang="de-DE" sz="1400" dirty="0"/>
               <a:t>Dichtung</a:t>
             </a:r>
           </a:p>
@@ -3540,8 +3545,8 @@
         </p:nvSpPr>
         <p:spPr>
           <a:xfrm>
-            <a:off x="7323307" y="1671253"/>
-            <a:ext cx="1079288" cy="276999"/>
+            <a:off x="9002878" y="2475174"/>
+            <a:ext cx="1249634" cy="307777"/>
           </a:xfrm>
           <a:prstGeom prst="rect">
             <a:avLst/>
@@ -3555,10 +3560,10 @@
           <a:lstStyle/>
           <a:p>
             <a:r>
-              <a:rPr lang="de-DE" sz="1200" dirty="0" err="1"/>
+              <a:rPr lang="de-DE" sz="1400" dirty="0" err="1"/>
               <a:t>PfostenRiegel</a:t>
             </a:r>
-            <a:endParaRPr lang="de-DE" sz="1200" dirty="0"/>
+            <a:endParaRPr lang="de-DE" sz="1400" dirty="0"/>
           </a:p>
         </p:txBody>
       </p:sp>
@@ -3576,8 +3581,8 @@
         </p:nvSpPr>
         <p:spPr>
           <a:xfrm>
-            <a:off x="10651394" y="1809238"/>
-            <a:ext cx="858796" cy="278027"/>
+            <a:off x="1045315" y="5945012"/>
+            <a:ext cx="994341" cy="307777"/>
           </a:xfrm>
           <a:prstGeom prst="rect">
             <a:avLst/>
@@ -3591,7 +3596,7 @@
           <a:lstStyle/>
           <a:p>
             <a:r>
-              <a:rPr lang="de-DE" sz="1200" dirty="0"/>
+              <a:rPr lang="de-DE" sz="1400" dirty="0"/>
               <a:t>Glas</a:t>
             </a:r>
           </a:p>
@@ -3611,8 +3616,8 @@
         </p:nvSpPr>
         <p:spPr>
           <a:xfrm>
-            <a:off x="269658" y="3655672"/>
-            <a:ext cx="858796" cy="278027"/>
+            <a:off x="4047314" y="5945011"/>
+            <a:ext cx="994341" cy="307777"/>
           </a:xfrm>
           <a:prstGeom prst="rect">
             <a:avLst/>
@@ -3626,7 +3631,7 @@
           <a:lstStyle/>
           <a:p>
             <a:r>
-              <a:rPr lang="de-DE" sz="1200" dirty="0"/>
+              <a:rPr lang="de-DE" sz="1400" dirty="0"/>
               <a:t>Rohbau</a:t>
             </a:r>
           </a:p>
@@ -3646,8 +3651,8 @@
         </p:nvSpPr>
         <p:spPr>
           <a:xfrm>
-            <a:off x="5059366" y="3718100"/>
-            <a:ext cx="858796" cy="278027"/>
+            <a:off x="9903304" y="5945010"/>
+            <a:ext cx="994341" cy="307777"/>
           </a:xfrm>
           <a:prstGeom prst="rect">
             <a:avLst/>
@@ -3661,7 +3666,7 @@
           <a:lstStyle/>
           <a:p>
             <a:r>
-              <a:rPr lang="de-DE" sz="1200" dirty="0"/>
+              <a:rPr lang="de-DE" sz="1400" dirty="0"/>
               <a:t>Dübel</a:t>
             </a:r>
           </a:p>
@@ -3681,8 +3686,8 @@
         </p:nvSpPr>
         <p:spPr>
           <a:xfrm>
-            <a:off x="6011905" y="1695576"/>
-            <a:ext cx="960910" cy="276999"/>
+            <a:off x="6314022" y="2475175"/>
+            <a:ext cx="1112572" cy="307777"/>
           </a:xfrm>
           <a:prstGeom prst="rect">
             <a:avLst/>
@@ -3696,7 +3701,7 @@
           <a:lstStyle/>
           <a:p>
             <a:r>
-              <a:rPr lang="de-DE" sz="1200" dirty="0"/>
+              <a:rPr lang="de-DE" sz="1400" dirty="0"/>
               <a:t>Systemprofil</a:t>
             </a:r>
           </a:p>
@@ -3724,8 +3729,8 @@
         </p:blipFill>
         <p:spPr>
           <a:xfrm>
-            <a:off x="1812260" y="708367"/>
-            <a:ext cx="980019" cy="460715"/>
+            <a:off x="2164597" y="1442565"/>
+            <a:ext cx="1134697" cy="460715"/>
           </a:xfrm>
           <a:prstGeom prst="rect">
             <a:avLst/>
@@ -3754,8 +3759,8 @@
         </p:blipFill>
         <p:spPr>
           <a:xfrm>
-            <a:off x="3221677" y="359117"/>
-            <a:ext cx="690419" cy="1197446"/>
+            <a:off x="3574014" y="1093315"/>
+            <a:ext cx="799389" cy="1197446"/>
           </a:xfrm>
           <a:prstGeom prst="rect">
             <a:avLst/>
@@ -3784,8 +3789,8 @@
         </p:blipFill>
         <p:spPr>
           <a:xfrm>
-            <a:off x="4506468" y="359117"/>
-            <a:ext cx="1131589" cy="1133669"/>
+            <a:off x="4858805" y="1093315"/>
+            <a:ext cx="1310189" cy="1133669"/>
           </a:xfrm>
           <a:prstGeom prst="rect">
             <a:avLst/>
@@ -3814,8 +3819,8 @@
         </p:blipFill>
         <p:spPr>
           <a:xfrm>
-            <a:off x="6096000" y="206007"/>
-            <a:ext cx="792720" cy="1286779"/>
+            <a:off x="6448337" y="940205"/>
+            <a:ext cx="917836" cy="1286779"/>
           </a:xfrm>
           <a:prstGeom prst="rect">
             <a:avLst/>
@@ -3844,8 +3849,8 @@
         </p:blipFill>
         <p:spPr>
           <a:xfrm>
-            <a:off x="7238980" y="489311"/>
-            <a:ext cx="3003098" cy="898825"/>
+            <a:off x="7591316" y="1223509"/>
+            <a:ext cx="3477081" cy="898825"/>
           </a:xfrm>
           <a:prstGeom prst="rect">
             <a:avLst/>
@@ -3874,8 +3879,8 @@
         </p:blipFill>
         <p:spPr>
           <a:xfrm>
-            <a:off x="10787448" y="289963"/>
-            <a:ext cx="430427" cy="1405613"/>
+            <a:off x="946478" y="3762981"/>
+            <a:ext cx="697178" cy="1966366"/>
           </a:xfrm>
           <a:prstGeom prst="rect">
             <a:avLst/>
@@ -3904,8 +3909,8 @@
         </p:blipFill>
         <p:spPr>
           <a:xfrm>
-            <a:off x="358521" y="3098325"/>
-            <a:ext cx="2373147" cy="462357"/>
+            <a:off x="2516061" y="4746164"/>
+            <a:ext cx="3797961" cy="639084"/>
           </a:xfrm>
           <a:prstGeom prst="rect">
             <a:avLst/>
@@ -3934,8 +3939,8 @@
         </p:blipFill>
         <p:spPr>
           <a:xfrm>
-            <a:off x="3514772" y="2675295"/>
-            <a:ext cx="549812" cy="1036040"/>
+            <a:off x="7893320" y="4305280"/>
+            <a:ext cx="816727" cy="1329211"/>
           </a:xfrm>
           <a:prstGeom prst="rect">
             <a:avLst/>
@@ -3964,8 +3969,8 @@
         </p:blipFill>
         <p:spPr>
           <a:xfrm>
-            <a:off x="5117986" y="2182255"/>
-            <a:ext cx="370778" cy="1473417"/>
+            <a:off x="9944084" y="3845870"/>
+            <a:ext cx="524624" cy="1800588"/>
           </a:xfrm>
           <a:prstGeom prst="rect">
             <a:avLst/>
